--- a/restricted/slides10w.pptx
+++ b/restricted/slides10w.pptx
@@ -17748,9 +17748,9 @@
               <a:rPr lang="en-US" sz="9600" dirty="0" smtClean="0">
                 <a:latin typeface="Comic Sans MS" pitchFamily="66" charset="0"/>
               </a:rPr>
-              <a:t> 3</a:t>
-            </a:r>
-            <a:endParaRPr lang="en-US" sz="9600" dirty="0">
+              <a:t> 4</a:t>
+            </a:r>
+            <a:endParaRPr lang="en-US" sz="8000" dirty="0">
               <a:latin typeface="Comic Sans MS" pitchFamily="66" charset="0"/>
             </a:endParaRPr>
           </a:p>
